--- a/PureHTML/doc/Esercizio 3 – HTML Pure Version.pptx
+++ b/PureHTML/doc/Esercizio 3 – HTML Pure Version.pptx
@@ -11,7 +11,7 @@
     <p:sldId id="260" r:id="rId5"/>
     <p:sldId id="265" r:id="rId6"/>
     <p:sldId id="259" r:id="rId7"/>
-    <p:sldId id="262" r:id="rId8"/>
+    <p:sldId id="280" r:id="rId8"/>
     <p:sldId id="263" r:id="rId9"/>
     <p:sldId id="264" r:id="rId10"/>
     <p:sldId id="266" r:id="rId11"/>
@@ -277,7 +277,7 @@
           <a:p>
             <a:fld id="{525754EB-FF86-44E0-8846-3C46BA03BF18}" type="datetimeFigureOut">
               <a:rPr lang="it-IT" smtClean="0"/>
-              <a:t>09/05/23</a:t>
+              <a:t>11/05/23</a:t>
             </a:fld>
             <a:endParaRPr lang="it-IT"/>
           </a:p>
@@ -475,7 +475,7 @@
           <a:p>
             <a:fld id="{525754EB-FF86-44E0-8846-3C46BA03BF18}" type="datetimeFigureOut">
               <a:rPr lang="it-IT" smtClean="0"/>
-              <a:t>09/05/23</a:t>
+              <a:t>11/05/23</a:t>
             </a:fld>
             <a:endParaRPr lang="it-IT"/>
           </a:p>
@@ -683,7 +683,7 @@
           <a:p>
             <a:fld id="{525754EB-FF86-44E0-8846-3C46BA03BF18}" type="datetimeFigureOut">
               <a:rPr lang="it-IT" smtClean="0"/>
-              <a:t>09/05/23</a:t>
+              <a:t>11/05/23</a:t>
             </a:fld>
             <a:endParaRPr lang="it-IT"/>
           </a:p>
@@ -881,7 +881,7 @@
           <a:p>
             <a:fld id="{525754EB-FF86-44E0-8846-3C46BA03BF18}" type="datetimeFigureOut">
               <a:rPr lang="it-IT" smtClean="0"/>
-              <a:t>09/05/23</a:t>
+              <a:t>11/05/23</a:t>
             </a:fld>
             <a:endParaRPr lang="it-IT"/>
           </a:p>
@@ -1156,7 +1156,7 @@
           <a:p>
             <a:fld id="{525754EB-FF86-44E0-8846-3C46BA03BF18}" type="datetimeFigureOut">
               <a:rPr lang="it-IT" smtClean="0"/>
-              <a:t>09/05/23</a:t>
+              <a:t>11/05/23</a:t>
             </a:fld>
             <a:endParaRPr lang="it-IT"/>
           </a:p>
@@ -1421,7 +1421,7 @@
           <a:p>
             <a:fld id="{525754EB-FF86-44E0-8846-3C46BA03BF18}" type="datetimeFigureOut">
               <a:rPr lang="it-IT" smtClean="0"/>
-              <a:t>09/05/23</a:t>
+              <a:t>11/05/23</a:t>
             </a:fld>
             <a:endParaRPr lang="it-IT"/>
           </a:p>
@@ -1833,7 +1833,7 @@
           <a:p>
             <a:fld id="{525754EB-FF86-44E0-8846-3C46BA03BF18}" type="datetimeFigureOut">
               <a:rPr lang="it-IT" smtClean="0"/>
-              <a:t>09/05/23</a:t>
+              <a:t>11/05/23</a:t>
             </a:fld>
             <a:endParaRPr lang="it-IT"/>
           </a:p>
@@ -1974,7 +1974,7 @@
           <a:p>
             <a:fld id="{525754EB-FF86-44E0-8846-3C46BA03BF18}" type="datetimeFigureOut">
               <a:rPr lang="it-IT" smtClean="0"/>
-              <a:t>09/05/23</a:t>
+              <a:t>11/05/23</a:t>
             </a:fld>
             <a:endParaRPr lang="it-IT"/>
           </a:p>
@@ -2087,7 +2087,7 @@
           <a:p>
             <a:fld id="{525754EB-FF86-44E0-8846-3C46BA03BF18}" type="datetimeFigureOut">
               <a:rPr lang="it-IT" smtClean="0"/>
-              <a:t>09/05/23</a:t>
+              <a:t>11/05/23</a:t>
             </a:fld>
             <a:endParaRPr lang="it-IT"/>
           </a:p>
@@ -2398,7 +2398,7 @@
           <a:p>
             <a:fld id="{525754EB-FF86-44E0-8846-3C46BA03BF18}" type="datetimeFigureOut">
               <a:rPr lang="it-IT" smtClean="0"/>
-              <a:t>09/05/23</a:t>
+              <a:t>11/05/23</a:t>
             </a:fld>
             <a:endParaRPr lang="it-IT"/>
           </a:p>
@@ -2686,7 +2686,7 @@
           <a:p>
             <a:fld id="{525754EB-FF86-44E0-8846-3C46BA03BF18}" type="datetimeFigureOut">
               <a:rPr lang="it-IT" smtClean="0"/>
-              <a:t>09/05/23</a:t>
+              <a:t>11/05/23</a:t>
             </a:fld>
             <a:endParaRPr lang="it-IT"/>
           </a:p>
@@ -2927,7 +2927,7 @@
           <a:p>
             <a:fld id="{525754EB-FF86-44E0-8846-3C46BA03BF18}" type="datetimeFigureOut">
               <a:rPr lang="it-IT" smtClean="0"/>
-              <a:t>09/05/23</a:t>
+              <a:t>11/05/23</a:t>
             </a:fld>
             <a:endParaRPr lang="it-IT"/>
           </a:p>
@@ -6659,7 +6659,7 @@
         <p:spPr/>
         <p:txBody>
           <a:bodyPr>
-            <a:normAutofit fontScale="92500" lnSpcReduction="20000"/>
+            <a:normAutofit fontScale="92500" lnSpcReduction="10000"/>
           </a:bodyPr>
           <a:lstStyle/>
           <a:p>
@@ -6855,7 +6855,15 @@
             </a:r>
             <a:r>
               <a:rPr lang="it-IT" dirty="0"/>
-              <a:t>, viene ricaricata la home page che mostra un messaggio di errore</a:t>
+              <a:t>, il server invia un </a:t>
+            </a:r>
+            <a:r>
+              <a:rPr lang="it-IT" dirty="0">
+                <a:solidFill>
+                  <a:srgbClr val="FF0000"/>
+                </a:solidFill>
+              </a:rPr>
+              <a:t>messaggio di errore</a:t>
             </a:r>
           </a:p>
           <a:p>
@@ -6956,7 +6964,7 @@
     </p:spTree>
     <p:extLst>
       <p:ext uri="{BB962C8B-B14F-4D97-AF65-F5344CB8AC3E}">
-        <p14:creationId xmlns:p14="http://schemas.microsoft.com/office/powerpoint/2010/main" val="1465607311"/>
+        <p14:creationId xmlns:p14="http://schemas.microsoft.com/office/powerpoint/2010/main" val="1608527051"/>
       </p:ext>
     </p:extLst>
   </p:cSld>
@@ -7132,7 +7140,7 @@
         </p:spPr>
         <p:txBody>
           <a:bodyPr>
-            <a:normAutofit fontScale="62500" lnSpcReduction="20000"/>
+            <a:normAutofit fontScale="55000" lnSpcReduction="20000"/>
           </a:bodyPr>
           <a:lstStyle/>
           <a:p>
@@ -7197,7 +7205,7 @@
             </a:r>
             <a:r>
               <a:rPr lang="it-IT" sz="2400" dirty="0" err="1"/>
-              <a:t>pwd</a:t>
+              <a:t>psw</a:t>
             </a:r>
             <a:r>
               <a:rPr lang="it-IT" sz="2400" dirty="0"/>
@@ -7224,14 +7232,6 @@
             </a:r>
             <a:r>
               <a:rPr lang="it-IT" sz="2400" dirty="0" err="1"/>
-              <a:t>Integer</a:t>
-            </a:r>
-            <a:r>
-              <a:rPr lang="it-IT" sz="2400" dirty="0"/>
-              <a:t> </a:t>
-            </a:r>
-            <a:r>
-              <a:rPr lang="it-IT" sz="2400" dirty="0" err="1"/>
               <a:t>subToEnlight</a:t>
             </a:r>
             <a:r>
@@ -7247,23 +7247,7 @@
             </a:r>
             <a:r>
               <a:rPr lang="it-IT" sz="2400" dirty="0"/>
-              <a:t>(</a:t>
-            </a:r>
-            <a:r>
-              <a:rPr lang="it-IT" sz="2400" dirty="0" err="1"/>
-              <a:t>String</a:t>
-            </a:r>
-            <a:r>
-              <a:rPr lang="it-IT" sz="2400" dirty="0"/>
-              <a:t> name, </a:t>
-            </a:r>
-            <a:r>
-              <a:rPr lang="it-IT" sz="2400" dirty="0" err="1"/>
-              <a:t>int</a:t>
-            </a:r>
-            <a:r>
-              <a:rPr lang="it-IT" sz="2400" dirty="0"/>
-              <a:t> </a:t>
+              <a:t>(name, </a:t>
             </a:r>
             <a:r>
               <a:rPr lang="it-IT" sz="2400" dirty="0" err="1"/>
@@ -7271,14 +7255,14 @@
             </a:r>
             <a:r>
               <a:rPr lang="it-IT" sz="2400" dirty="0"/>
-              <a:t>)</a:t>
+              <a:t>) </a:t>
             </a:r>
           </a:p>
           <a:p>
             <a:pPr lvl="2"/>
             <a:r>
               <a:rPr lang="it-IT" sz="2400" dirty="0" err="1"/>
-              <a:t>copySubtree</a:t>
+              <a:t>getImages</a:t>
             </a:r>
             <a:r>
               <a:rPr lang="it-IT" sz="2400" dirty="0"/>
@@ -7286,31 +7270,7 @@
             </a:r>
             <a:r>
               <a:rPr lang="it-IT" sz="2400" dirty="0" err="1"/>
-              <a:t>int</a:t>
-            </a:r>
-            <a:r>
-              <a:rPr lang="it-IT" sz="2400" dirty="0"/>
-              <a:t> </a:t>
-            </a:r>
-            <a:r>
-              <a:rPr lang="it-IT" sz="2400" dirty="0" err="1"/>
               <a:t>category_ID</a:t>
-            </a:r>
-            <a:r>
-              <a:rPr lang="it-IT" sz="2400" dirty="0"/>
-              <a:t>, </a:t>
-            </a:r>
-            <a:r>
-              <a:rPr lang="it-IT" sz="2400" dirty="0" err="1"/>
-              <a:t>int</a:t>
-            </a:r>
-            <a:r>
-              <a:rPr lang="it-IT" sz="2400" dirty="0"/>
-              <a:t> </a:t>
-            </a:r>
-            <a:r>
-              <a:rPr lang="it-IT" sz="2400" dirty="0" err="1"/>
-              <a:t>parent</a:t>
             </a:r>
             <a:r>
               <a:rPr lang="it-IT" sz="2400" dirty="0"/>
@@ -7321,7 +7281,7 @@
             <a:pPr lvl="2"/>
             <a:r>
               <a:rPr lang="it-IT" sz="2400" dirty="0" err="1"/>
-              <a:t>getImages</a:t>
+              <a:t>getByParentID</a:t>
             </a:r>
             <a:r>
               <a:rPr lang="it-IT" sz="2400" dirty="0"/>
@@ -7329,15 +7289,7 @@
             </a:r>
             <a:r>
               <a:rPr lang="it-IT" sz="2400" dirty="0" err="1"/>
-              <a:t>int</a:t>
-            </a:r>
-            <a:r>
-              <a:rPr lang="it-IT" sz="2400" dirty="0"/>
-              <a:t> </a:t>
-            </a:r>
-            <a:r>
-              <a:rPr lang="it-IT" sz="2400" dirty="0" err="1"/>
-              <a:t>category_ID</a:t>
+              <a:t>parentID</a:t>
             </a:r>
             <a:r>
               <a:rPr lang="it-IT" sz="2400" dirty="0"/>
@@ -7346,6 +7298,31 @@
           </a:p>
           <a:p>
             <a:pPr lvl="2"/>
+            <a:r>
+              <a:rPr lang="it-IT" sz="2400" dirty="0" err="1"/>
+              <a:t>uploadImage</a:t>
+            </a:r>
+            <a:r>
+              <a:rPr lang="it-IT" sz="2400" dirty="0"/>
+              <a:t>(</a:t>
+            </a:r>
+            <a:r>
+              <a:rPr lang="it-IT" sz="2400" dirty="0" err="1"/>
+              <a:t>category_id</a:t>
+            </a:r>
+            <a:r>
+              <a:rPr lang="it-IT" sz="2400" dirty="0"/>
+              <a:t>, image)</a:t>
+            </a:r>
+          </a:p>
+          <a:p>
+            <a:pPr marL="914400" lvl="2" indent="0">
+              <a:buNone/>
+            </a:pPr>
+            <a:endParaRPr lang="it-IT" sz="2400" dirty="0"/>
+          </a:p>
+          <a:p>
+            <a:pPr lvl="2"/>
             <a:endParaRPr lang="it-IT" sz="2400" dirty="0"/>
           </a:p>
           <a:p>
@@ -7384,7 +7361,7 @@
         <p:spPr/>
         <p:txBody>
           <a:bodyPr>
-            <a:normAutofit fontScale="62500" lnSpcReduction="20000"/>
+            <a:normAutofit fontScale="55000" lnSpcReduction="20000"/>
           </a:bodyPr>
           <a:lstStyle/>
           <a:p>
@@ -7457,6 +7434,14 @@
             <a:endParaRPr lang="it-IT" dirty="0"/>
           </a:p>
           <a:p>
+            <a:pPr lvl="1"/>
+            <a:r>
+              <a:rPr lang="it-IT" dirty="0" err="1"/>
+              <a:t>UploadImage</a:t>
+            </a:r>
+            <a:endParaRPr lang="it-IT" dirty="0"/>
+          </a:p>
+          <a:p>
             <a:r>
               <a:rPr lang="it-IT" dirty="0" err="1"/>
               <a:t>Views</a:t>
@@ -7508,8 +7493,12 @@
           <a:p>
             <a:pPr lvl="2"/>
             <a:r>
+              <a:rPr lang="it-IT" dirty="0" err="1"/>
+              <a:t>Category</a:t>
+            </a:r>
+            <a:r>
               <a:rPr lang="it-IT" dirty="0"/>
-              <a:t>Full </a:t>
+              <a:t> </a:t>
             </a:r>
             <a:r>
               <a:rPr lang="it-IT" dirty="0" err="1"/>
@@ -7531,6 +7520,22 @@
               <a:rPr lang="it-IT" dirty="0" err="1"/>
               <a:t>tree</a:t>
             </a:r>
+            <a:endParaRPr lang="it-IT" dirty="0"/>
+          </a:p>
+          <a:p>
+            <a:pPr lvl="2"/>
+            <a:r>
+              <a:rPr lang="it-IT" dirty="0"/>
+              <a:t>Logout </a:t>
+            </a:r>
+            <a:r>
+              <a:rPr lang="it-IT" dirty="0" err="1"/>
+              <a:t>button</a:t>
+            </a:r>
+            <a:endParaRPr lang="it-IT" dirty="0"/>
+          </a:p>
+          <a:p>
+            <a:pPr lvl="2"/>
             <a:endParaRPr lang="it-IT" dirty="0"/>
           </a:p>
           <a:p>

--- a/PureHTML/doc/Esercizio 3 – HTML Pure Version.pptx
+++ b/PureHTML/doc/Esercizio 3 – HTML Pure Version.pptx
@@ -14,16 +14,15 @@
     <p:sldId id="280" r:id="rId8"/>
     <p:sldId id="263" r:id="rId9"/>
     <p:sldId id="264" r:id="rId10"/>
-    <p:sldId id="266" r:id="rId11"/>
-    <p:sldId id="267" r:id="rId12"/>
-    <p:sldId id="279" r:id="rId13"/>
-    <p:sldId id="272" r:id="rId14"/>
-    <p:sldId id="268" r:id="rId15"/>
-    <p:sldId id="273" r:id="rId16"/>
-    <p:sldId id="274" r:id="rId17"/>
-    <p:sldId id="275" r:id="rId18"/>
-    <p:sldId id="276" r:id="rId19"/>
-    <p:sldId id="277" r:id="rId20"/>
+    <p:sldId id="267" r:id="rId11"/>
+    <p:sldId id="279" r:id="rId12"/>
+    <p:sldId id="272" r:id="rId13"/>
+    <p:sldId id="268" r:id="rId14"/>
+    <p:sldId id="273" r:id="rId15"/>
+    <p:sldId id="274" r:id="rId16"/>
+    <p:sldId id="275" r:id="rId17"/>
+    <p:sldId id="276" r:id="rId18"/>
+    <p:sldId id="277" r:id="rId19"/>
   </p:sldIdLst>
   <p:sldSz cx="12192000" cy="6858000"/>
   <p:notesSz cx="6858000" cy="9144000"/>
@@ -277,7 +276,7 @@
           <a:p>
             <a:fld id="{525754EB-FF86-44E0-8846-3C46BA03BF18}" type="datetimeFigureOut">
               <a:rPr lang="it-IT" smtClean="0"/>
-              <a:t>11/05/23</a:t>
+              <a:t>14/05/23</a:t>
             </a:fld>
             <a:endParaRPr lang="it-IT"/>
           </a:p>
@@ -475,7 +474,7 @@
           <a:p>
             <a:fld id="{525754EB-FF86-44E0-8846-3C46BA03BF18}" type="datetimeFigureOut">
               <a:rPr lang="it-IT" smtClean="0"/>
-              <a:t>11/05/23</a:t>
+              <a:t>14/05/23</a:t>
             </a:fld>
             <a:endParaRPr lang="it-IT"/>
           </a:p>
@@ -683,7 +682,7 @@
           <a:p>
             <a:fld id="{525754EB-FF86-44E0-8846-3C46BA03BF18}" type="datetimeFigureOut">
               <a:rPr lang="it-IT" smtClean="0"/>
-              <a:t>11/05/23</a:t>
+              <a:t>14/05/23</a:t>
             </a:fld>
             <a:endParaRPr lang="it-IT"/>
           </a:p>
@@ -881,7 +880,7 @@
           <a:p>
             <a:fld id="{525754EB-FF86-44E0-8846-3C46BA03BF18}" type="datetimeFigureOut">
               <a:rPr lang="it-IT" smtClean="0"/>
-              <a:t>11/05/23</a:t>
+              <a:t>14/05/23</a:t>
             </a:fld>
             <a:endParaRPr lang="it-IT"/>
           </a:p>
@@ -1156,7 +1155,7 @@
           <a:p>
             <a:fld id="{525754EB-FF86-44E0-8846-3C46BA03BF18}" type="datetimeFigureOut">
               <a:rPr lang="it-IT" smtClean="0"/>
-              <a:t>11/05/23</a:t>
+              <a:t>14/05/23</a:t>
             </a:fld>
             <a:endParaRPr lang="it-IT"/>
           </a:p>
@@ -1421,7 +1420,7 @@
           <a:p>
             <a:fld id="{525754EB-FF86-44E0-8846-3C46BA03BF18}" type="datetimeFigureOut">
               <a:rPr lang="it-IT" smtClean="0"/>
-              <a:t>11/05/23</a:t>
+              <a:t>14/05/23</a:t>
             </a:fld>
             <a:endParaRPr lang="it-IT"/>
           </a:p>
@@ -1833,7 +1832,7 @@
           <a:p>
             <a:fld id="{525754EB-FF86-44E0-8846-3C46BA03BF18}" type="datetimeFigureOut">
               <a:rPr lang="it-IT" smtClean="0"/>
-              <a:t>11/05/23</a:t>
+              <a:t>14/05/23</a:t>
             </a:fld>
             <a:endParaRPr lang="it-IT"/>
           </a:p>
@@ -1974,7 +1973,7 @@
           <a:p>
             <a:fld id="{525754EB-FF86-44E0-8846-3C46BA03BF18}" type="datetimeFigureOut">
               <a:rPr lang="it-IT" smtClean="0"/>
-              <a:t>11/05/23</a:t>
+              <a:t>14/05/23</a:t>
             </a:fld>
             <a:endParaRPr lang="it-IT"/>
           </a:p>
@@ -2087,7 +2086,7 @@
           <a:p>
             <a:fld id="{525754EB-FF86-44E0-8846-3C46BA03BF18}" type="datetimeFigureOut">
               <a:rPr lang="it-IT" smtClean="0"/>
-              <a:t>11/05/23</a:t>
+              <a:t>14/05/23</a:t>
             </a:fld>
             <a:endParaRPr lang="it-IT"/>
           </a:p>
@@ -2398,7 +2397,7 @@
           <a:p>
             <a:fld id="{525754EB-FF86-44E0-8846-3C46BA03BF18}" type="datetimeFigureOut">
               <a:rPr lang="it-IT" smtClean="0"/>
-              <a:t>11/05/23</a:t>
+              <a:t>14/05/23</a:t>
             </a:fld>
             <a:endParaRPr lang="it-IT"/>
           </a:p>
@@ -2686,7 +2685,7 @@
           <a:p>
             <a:fld id="{525754EB-FF86-44E0-8846-3C46BA03BF18}" type="datetimeFigureOut">
               <a:rPr lang="it-IT" smtClean="0"/>
-              <a:t>11/05/23</a:t>
+              <a:t>14/05/23</a:t>
             </a:fld>
             <a:endParaRPr lang="it-IT"/>
           </a:p>
@@ -2927,7 +2926,7 @@
           <a:p>
             <a:fld id="{525754EB-FF86-44E0-8846-3C46BA03BF18}" type="datetimeFigureOut">
               <a:rPr lang="it-IT" smtClean="0"/>
-              <a:t>11/05/23</a:t>
+              <a:t>14/05/23</a:t>
             </a:fld>
             <a:endParaRPr lang="it-IT"/>
           </a:p>
@@ -3441,132 +3440,6 @@
 <file path=ppt/slides/slide10.xml><?xml version="1.0" encoding="utf-8"?>
 <p:sld xmlns:a="http://schemas.openxmlformats.org/drawingml/2006/main" xmlns:r="http://schemas.openxmlformats.org/officeDocument/2006/relationships" xmlns:p="http://schemas.openxmlformats.org/presentationml/2006/main">
   <p:cSld>
-    <p:spTree>
-      <p:nvGrpSpPr>
-        <p:cNvPr id="1" name=""/>
-        <p:cNvGrpSpPr/>
-        <p:nvPr/>
-      </p:nvGrpSpPr>
-      <p:grpSpPr>
-        <a:xfrm>
-          <a:off x="0" y="0"/>
-          <a:ext cx="0" cy="0"/>
-          <a:chOff x="0" y="0"/>
-          <a:chExt cx="0" cy="0"/>
-        </a:xfrm>
-      </p:grpSpPr>
-      <p:sp>
-        <p:nvSpPr>
-          <p:cNvPr id="2" name="Titolo 1">
-            <a:extLst>
-              <a:ext uri="{FF2B5EF4-FFF2-40B4-BE49-F238E27FC236}">
-                <a16:creationId xmlns:a16="http://schemas.microsoft.com/office/drawing/2014/main" id="{24CE938C-75D4-7078-7070-CB7EC9AE68FA}"/>
-              </a:ext>
-            </a:extLst>
-          </p:cNvPr>
-          <p:cNvSpPr>
-            <a:spLocks noGrp="1"/>
-          </p:cNvSpPr>
-          <p:nvPr>
-            <p:ph type="title"/>
-          </p:nvPr>
-        </p:nvSpPr>
-        <p:spPr/>
-        <p:txBody>
-          <a:bodyPr/>
-          <a:lstStyle/>
-          <a:p>
-            <a:r>
-              <a:rPr lang="it-IT" dirty="0"/>
-              <a:t>cose che potrebbero rompere tutto</a:t>
-            </a:r>
-          </a:p>
-        </p:txBody>
-      </p:sp>
-      <p:sp>
-        <p:nvSpPr>
-          <p:cNvPr id="3" name="Segnaposto contenuto 2">
-            <a:extLst>
-              <a:ext uri="{FF2B5EF4-FFF2-40B4-BE49-F238E27FC236}">
-                <a16:creationId xmlns:a16="http://schemas.microsoft.com/office/drawing/2014/main" id="{BDCDDA07-5829-56BE-5323-09E2EEC6CAFF}"/>
-              </a:ext>
-            </a:extLst>
-          </p:cNvPr>
-          <p:cNvSpPr>
-            <a:spLocks noGrp="1"/>
-          </p:cNvSpPr>
-          <p:nvPr>
-            <p:ph sz="half" idx="1"/>
-          </p:nvPr>
-        </p:nvSpPr>
-        <p:spPr/>
-        <p:txBody>
-          <a:bodyPr/>
-          <a:lstStyle/>
-          <a:p>
-            <a:r>
-              <a:rPr lang="it-IT" dirty="0"/>
-              <a:t>inserimento / copia in categoria con già nove figli</a:t>
-            </a:r>
-          </a:p>
-          <a:p>
-            <a:r>
-              <a:rPr lang="it-IT" dirty="0"/>
-              <a:t>copia ricorsiva</a:t>
-            </a:r>
-          </a:p>
-          <a:p>
-            <a:r>
-              <a:rPr lang="it-IT" dirty="0"/>
-              <a:t>richieste con formato parametri scorretto</a:t>
-            </a:r>
-          </a:p>
-        </p:txBody>
-      </p:sp>
-      <p:sp>
-        <p:nvSpPr>
-          <p:cNvPr id="4" name="Segnaposto contenuto 3">
-            <a:extLst>
-              <a:ext uri="{FF2B5EF4-FFF2-40B4-BE49-F238E27FC236}">
-                <a16:creationId xmlns:a16="http://schemas.microsoft.com/office/drawing/2014/main" id="{6D529B37-06AB-C849-B6B1-1C7FA3F997C0}"/>
-              </a:ext>
-            </a:extLst>
-          </p:cNvPr>
-          <p:cNvSpPr>
-            <a:spLocks noGrp="1"/>
-          </p:cNvSpPr>
-          <p:nvPr>
-            <p:ph sz="half" idx="2"/>
-          </p:nvPr>
-        </p:nvSpPr>
-        <p:spPr/>
-        <p:txBody>
-          <a:bodyPr/>
-          <a:lstStyle/>
-          <a:p>
-            <a:pPr marL="0" indent="0">
-              <a:buNone/>
-            </a:pPr>
-            <a:endParaRPr lang="it-IT" dirty="0"/>
-          </a:p>
-        </p:txBody>
-      </p:sp>
-    </p:spTree>
-    <p:extLst>
-      <p:ext uri="{BB962C8B-B14F-4D97-AF65-F5344CB8AC3E}">
-        <p14:creationId xmlns:p14="http://schemas.microsoft.com/office/powerpoint/2010/main" val="3083259802"/>
-      </p:ext>
-    </p:extLst>
-  </p:cSld>
-  <p:clrMapOvr>
-    <a:masterClrMapping/>
-  </p:clrMapOvr>
-</p:sld>
-</file>
-
-<file path=ppt/slides/slide11.xml><?xml version="1.0" encoding="utf-8"?>
-<p:sld xmlns:a="http://schemas.openxmlformats.org/drawingml/2006/main" xmlns:r="http://schemas.openxmlformats.org/officeDocument/2006/relationships" xmlns:p="http://schemas.openxmlformats.org/presentationml/2006/main">
-  <p:cSld>
     <p:bg>
       <p:bgPr>
         <a:solidFill>
@@ -3764,7 +3637,7 @@
 </p:sld>
 </file>
 
-<file path=ppt/slides/slide12.xml><?xml version="1.0" encoding="utf-8"?>
+<file path=ppt/slides/slide11.xml><?xml version="1.0" encoding="utf-8"?>
 <p:sld xmlns:a="http://schemas.openxmlformats.org/drawingml/2006/main" xmlns:r="http://schemas.openxmlformats.org/officeDocument/2006/relationships" xmlns:p="http://schemas.openxmlformats.org/presentationml/2006/main">
   <p:cSld>
     <p:spTree>
@@ -3878,7 +3751,7 @@
 </p:sld>
 </file>
 
-<file path=ppt/slides/slide13.xml><?xml version="1.0" encoding="utf-8"?>
+<file path=ppt/slides/slide12.xml><?xml version="1.0" encoding="utf-8"?>
 <p:sld xmlns:a="http://schemas.openxmlformats.org/drawingml/2006/main" xmlns:r="http://schemas.openxmlformats.org/officeDocument/2006/relationships" xmlns:p="http://schemas.openxmlformats.org/presentationml/2006/main">
   <p:cSld>
     <p:bg>
@@ -4047,7 +3920,7 @@
 </p:sld>
 </file>
 
-<file path=ppt/slides/slide14.xml><?xml version="1.0" encoding="utf-8"?>
+<file path=ppt/slides/slide13.xml><?xml version="1.0" encoding="utf-8"?>
 <p:sld xmlns:a="http://schemas.openxmlformats.org/drawingml/2006/main" xmlns:r="http://schemas.openxmlformats.org/officeDocument/2006/relationships" xmlns:p="http://schemas.openxmlformats.org/presentationml/2006/main">
   <p:cSld>
     <p:spTree>
@@ -4146,7 +4019,7 @@
 </p:sld>
 </file>
 
-<file path=ppt/slides/slide15.xml><?xml version="1.0" encoding="utf-8"?>
+<file path=ppt/slides/slide14.xml><?xml version="1.0" encoding="utf-8"?>
 <p:sld xmlns:a="http://schemas.openxmlformats.org/drawingml/2006/main" xmlns:r="http://schemas.openxmlformats.org/officeDocument/2006/relationships" xmlns:p="http://schemas.openxmlformats.org/presentationml/2006/main">
   <p:cSld>
     <p:spTree>
@@ -4241,7 +4114,7 @@
 </p:sld>
 </file>
 
-<file path=ppt/slides/slide16.xml><?xml version="1.0" encoding="utf-8"?>
+<file path=ppt/slides/slide15.xml><?xml version="1.0" encoding="utf-8"?>
 <p:sld xmlns:a="http://schemas.openxmlformats.org/drawingml/2006/main" xmlns:r="http://schemas.openxmlformats.org/officeDocument/2006/relationships" xmlns:p="http://schemas.openxmlformats.org/presentationml/2006/main">
   <p:cSld>
     <p:spTree>
@@ -4340,7 +4213,7 @@
 </p:sld>
 </file>
 
-<file path=ppt/slides/slide17.xml><?xml version="1.0" encoding="utf-8"?>
+<file path=ppt/slides/slide16.xml><?xml version="1.0" encoding="utf-8"?>
 <p:sld xmlns:a="http://schemas.openxmlformats.org/drawingml/2006/main" xmlns:r="http://schemas.openxmlformats.org/officeDocument/2006/relationships" xmlns:p="http://schemas.openxmlformats.org/presentationml/2006/main">
   <p:cSld>
     <p:spTree>
@@ -4444,7 +4317,7 @@
 </p:sld>
 </file>
 
-<file path=ppt/slides/slide18.xml><?xml version="1.0" encoding="utf-8"?>
+<file path=ppt/slides/slide17.xml><?xml version="1.0" encoding="utf-8"?>
 <p:sld xmlns:a="http://schemas.openxmlformats.org/drawingml/2006/main" xmlns:r="http://schemas.openxmlformats.org/officeDocument/2006/relationships" xmlns:p="http://schemas.openxmlformats.org/presentationml/2006/main">
   <p:cSld>
     <p:spTree>
@@ -4543,7 +4416,7 @@
 </p:sld>
 </file>
 
-<file path=ppt/slides/slide19.xml><?xml version="1.0" encoding="utf-8"?>
+<file path=ppt/slides/slide18.xml><?xml version="1.0" encoding="utf-8"?>
 <p:sld xmlns:a="http://schemas.openxmlformats.org/drawingml/2006/main" xmlns:r="http://schemas.openxmlformats.org/officeDocument/2006/relationships" xmlns:p="http://schemas.openxmlformats.org/presentationml/2006/main">
   <p:cSld>
     <p:spTree>

--- a/PureHTML/doc/Esercizio 3 – HTML Pure Version.pptx
+++ b/PureHTML/doc/Esercizio 3 – HTML Pure Version.pptx
@@ -3776,66 +3776,6 @@
           <a:chExt cx="0" cy="0"/>
         </a:xfrm>
       </p:grpSpPr>
-      <p:sp useBgFill="1">
-        <p:nvSpPr>
-          <p:cNvPr id="9" name="Rectangle 8">
-            <a:extLst>
-              <a:ext uri="{FF2B5EF4-FFF2-40B4-BE49-F238E27FC236}">
-                <a16:creationId xmlns:a16="http://schemas.microsoft.com/office/drawing/2014/main" id="{53F29798-D584-4792-9B62-3F5F5C36D619}"/>
-              </a:ext>
-              <a:ext uri="{C183D7F6-B498-43B3-948B-1728B52AA6E4}">
-                <adec:decorative xmlns:adec="http://schemas.microsoft.com/office/drawing/2017/decorative" val="1"/>
-              </a:ext>
-            </a:extLst>
-          </p:cNvPr>
-          <p:cNvSpPr>
-            <a:spLocks noGrp="1" noRot="1" noChangeAspect="1" noMove="1" noResize="1" noEditPoints="1" noAdjustHandles="1" noChangeArrowheads="1" noChangeShapeType="1" noTextEdit="1"/>
-          </p:cNvSpPr>
-          <p:nvPr>
-            <p:extLst>
-              <p:ext uri="{386F3935-93C4-4BCD-93E2-E3B085C9AB24}">
-                <p16:designElem xmlns:p16="http://schemas.microsoft.com/office/powerpoint/2015/main" val="1"/>
-              </p:ext>
-            </p:extLst>
-          </p:nvPr>
-        </p:nvSpPr>
-        <p:spPr>
-          <a:xfrm>
-            <a:off x="0" y="0"/>
-            <a:ext cx="12188952" cy="6858000"/>
-          </a:xfrm>
-          <a:prstGeom prst="rect">
-            <a:avLst/>
-          </a:prstGeom>
-          <a:ln>
-            <a:noFill/>
-          </a:ln>
-        </p:spPr>
-        <p:style>
-          <a:lnRef idx="2">
-            <a:schemeClr val="accent1">
-              <a:shade val="50000"/>
-            </a:schemeClr>
-          </a:lnRef>
-          <a:fillRef idx="1">
-            <a:schemeClr val="accent1"/>
-          </a:fillRef>
-          <a:effectRef idx="0">
-            <a:schemeClr val="accent1"/>
-          </a:effectRef>
-          <a:fontRef idx="minor">
-            <a:schemeClr val="lt1"/>
-          </a:fontRef>
-        </p:style>
-        <p:txBody>
-          <a:bodyPr rtlCol="0" anchor="ctr"/>
-          <a:lstStyle/>
-          <a:p>
-            <a:pPr algn="ctr"/>
-            <a:endParaRPr lang="en-US"/>
-          </a:p>
-        </p:txBody>
-      </p:sp>
       <p:sp>
         <p:nvSpPr>
           <p:cNvPr id="2" name="Titolo 1">
@@ -3852,12 +3792,7 @@
             <p:ph type="title"/>
           </p:nvPr>
         </p:nvSpPr>
-        <p:spPr>
-          <a:xfrm>
-            <a:off x="838200" y="184805"/>
-            <a:ext cx="10515600" cy="1505883"/>
-          </a:xfrm>
-        </p:spPr>
+        <p:spPr/>
         <p:txBody>
           <a:bodyPr anchor="ctr">
             <a:normAutofit/>
@@ -3873,17 +3808,19 @@
       </p:sp>
       <p:pic>
         <p:nvPicPr>
-          <p:cNvPr id="4" name="Immagine 3" descr="Immagine che contiene testo, ricevuta, linea, Carattere&#10;&#10;Descrizione generata automaticamente">
-            <a:extLst>
-              <a:ext uri="{FF2B5EF4-FFF2-40B4-BE49-F238E27FC236}">
-                <a16:creationId xmlns:a16="http://schemas.microsoft.com/office/drawing/2014/main" id="{CE1A3CB1-0B21-9DC3-9AE6-A00D69B2208A}"/>
+          <p:cNvPr id="6" name="Segnaposto contenuto 5" descr="Immagine che contiene testo, ricevuta, schermata, linea&#10;&#10;Descrizione generata automaticamente">
+            <a:extLst>
+              <a:ext uri="{FF2B5EF4-FFF2-40B4-BE49-F238E27FC236}">
+                <a16:creationId xmlns:a16="http://schemas.microsoft.com/office/drawing/2014/main" id="{BECD327D-F55F-FB0D-A227-DA11CE4E15FB}"/>
               </a:ext>
             </a:extLst>
           </p:cNvPr>
           <p:cNvPicPr>
-            <a:picLocks noChangeAspect="1"/>
+            <a:picLocks noGrp="1" noChangeAspect="1"/>
           </p:cNvPicPr>
-          <p:nvPr/>
+          <p:nvPr>
+            <p:ph idx="1"/>
+          </p:nvPr>
         </p:nvPicPr>
         <p:blipFill>
           <a:blip r:embed="rId2">
@@ -3899,12 +3836,9 @@
         </p:blipFill>
         <p:spPr>
           <a:xfrm>
-            <a:off x="258419" y="1875493"/>
-            <a:ext cx="11672114" cy="4231141"/>
+            <a:off x="838200" y="2022869"/>
+            <a:ext cx="10515600" cy="3956850"/>
           </a:xfrm>
-          <a:prstGeom prst="rect">
-            <a:avLst/>
-          </a:prstGeom>
         </p:spPr>
       </p:pic>
     </p:spTree>
@@ -3972,17 +3906,19 @@
       </p:sp>
       <p:pic>
         <p:nvPicPr>
-          <p:cNvPr id="4" name="Immagine 3" descr="Immagine che contiene testo, linea, ricevuta, diagramma&#10;&#10;Descrizione generata automaticamente">
-            <a:extLst>
-              <a:ext uri="{FF2B5EF4-FFF2-40B4-BE49-F238E27FC236}">
-                <a16:creationId xmlns:a16="http://schemas.microsoft.com/office/drawing/2014/main" id="{F3E30AA3-385E-23B7-5C21-1904D6895E41}"/>
+          <p:cNvPr id="10" name="Segnaposto contenuto 9" descr="Immagine che contiene testo, linea, diagramma, ricevuta&#10;&#10;Descrizione generata automaticamente">
+            <a:extLst>
+              <a:ext uri="{FF2B5EF4-FFF2-40B4-BE49-F238E27FC236}">
+                <a16:creationId xmlns:a16="http://schemas.microsoft.com/office/drawing/2014/main" id="{8C25AD22-2A68-B274-2EE2-A14C1F7CE5B8}"/>
               </a:ext>
             </a:extLst>
           </p:cNvPr>
           <p:cNvPicPr>
-            <a:picLocks noChangeAspect="1"/>
+            <a:picLocks noGrp="1" noChangeAspect="1"/>
           </p:cNvPicPr>
-          <p:nvPr/>
+          <p:nvPr>
+            <p:ph idx="1"/>
+          </p:nvPr>
         </p:nvPicPr>
         <p:blipFill>
           <a:blip r:embed="rId2">
@@ -3998,12 +3934,9 @@
         </p:blipFill>
         <p:spPr>
           <a:xfrm>
-            <a:off x="838199" y="1413275"/>
-            <a:ext cx="8175171" cy="5342828"/>
+            <a:off x="2240123" y="1690688"/>
+            <a:ext cx="7711753" cy="5032375"/>
           </a:xfrm>
-          <a:prstGeom prst="rect">
-            <a:avLst/>
-          </a:prstGeom>
         </p:spPr>
       </p:pic>
     </p:spTree>
@@ -4166,17 +4099,19 @@
       </p:sp>
       <p:pic>
         <p:nvPicPr>
-          <p:cNvPr id="4" name="Immagine 3" descr="Immagine che contiene testo, ricevuta, linea, Carattere&#10;&#10;Descrizione generata automaticamente">
-            <a:extLst>
-              <a:ext uri="{FF2B5EF4-FFF2-40B4-BE49-F238E27FC236}">
-                <a16:creationId xmlns:a16="http://schemas.microsoft.com/office/drawing/2014/main" id="{E9A3E1EE-4ED6-5E7B-1B5C-5C037EEF447C}"/>
+          <p:cNvPr id="6" name="Segnaposto contenuto 5" descr="Immagine che contiene testo, ricevuta, linea&#10;&#10;Descrizione generata automaticamente">
+            <a:extLst>
+              <a:ext uri="{FF2B5EF4-FFF2-40B4-BE49-F238E27FC236}">
+                <a16:creationId xmlns:a16="http://schemas.microsoft.com/office/drawing/2014/main" id="{E02A335E-2990-973D-CA81-938866D204F5}"/>
               </a:ext>
             </a:extLst>
           </p:cNvPr>
           <p:cNvPicPr>
-            <a:picLocks noChangeAspect="1"/>
+            <a:picLocks noGrp="1" noChangeAspect="1"/>
           </p:cNvPicPr>
-          <p:nvPr/>
+          <p:nvPr>
+            <p:ph idx="1"/>
+          </p:nvPr>
         </p:nvPicPr>
         <p:blipFill>
           <a:blip r:embed="rId2">
@@ -4192,12 +4127,9 @@
         </p:blipFill>
         <p:spPr>
           <a:xfrm>
-            <a:off x="105779" y="1743982"/>
-            <a:ext cx="11980441" cy="4306972"/>
+            <a:off x="838200" y="2111113"/>
+            <a:ext cx="10515600" cy="3780362"/>
           </a:xfrm>
-          <a:prstGeom prst="rect">
-            <a:avLst/>
-          </a:prstGeom>
         </p:spPr>
       </p:pic>
     </p:spTree>
@@ -4246,12 +4178,7 @@
             <p:ph type="title"/>
           </p:nvPr>
         </p:nvSpPr>
-        <p:spPr>
-          <a:xfrm>
-            <a:off x="387404" y="0"/>
-            <a:ext cx="10515600" cy="1325563"/>
-          </a:xfrm>
-        </p:spPr>
+        <p:spPr/>
         <p:txBody>
           <a:bodyPr/>
           <a:lstStyle/>
@@ -4270,17 +4197,19 @@
       </p:sp>
       <p:pic>
         <p:nvPicPr>
-          <p:cNvPr id="4" name="Immagine 3" descr="Immagine che contiene testo, ricevuta, diagramma, Parallelo&#10;&#10;Descrizione generata automaticamente">
-            <a:extLst>
-              <a:ext uri="{FF2B5EF4-FFF2-40B4-BE49-F238E27FC236}">
-                <a16:creationId xmlns:a16="http://schemas.microsoft.com/office/drawing/2014/main" id="{9A43DB99-AFA4-D3DC-7DC4-22ED68E6032E}"/>
+          <p:cNvPr id="10" name="Segnaposto contenuto 9" descr="Immagine che contiene testo, ricevuta, diagramma, numero&#10;&#10;Descrizione generata automaticamente">
+            <a:extLst>
+              <a:ext uri="{FF2B5EF4-FFF2-40B4-BE49-F238E27FC236}">
+                <a16:creationId xmlns:a16="http://schemas.microsoft.com/office/drawing/2014/main" id="{6D8E70E2-ECE0-DFDE-6567-3DB5E4657CF4}"/>
               </a:ext>
             </a:extLst>
           </p:cNvPr>
           <p:cNvPicPr>
-            <a:picLocks noChangeAspect="1"/>
+            <a:picLocks noGrp="1" noChangeAspect="1"/>
           </p:cNvPicPr>
-          <p:nvPr/>
+          <p:nvPr>
+            <p:ph idx="1"/>
+          </p:nvPr>
         </p:nvPicPr>
         <p:blipFill>
           <a:blip r:embed="rId2">
@@ -4296,12 +4225,9 @@
         </p:blipFill>
         <p:spPr>
           <a:xfrm>
-            <a:off x="590603" y="992423"/>
-            <a:ext cx="8176025" cy="5865577"/>
+            <a:off x="2899567" y="1683855"/>
+            <a:ext cx="6392866" cy="4809020"/>
           </a:xfrm>
-          <a:prstGeom prst="rect">
-            <a:avLst/>
-          </a:prstGeom>
         </p:spPr>
       </p:pic>
     </p:spTree>
@@ -4361,7 +4287,7 @@
             </a:r>
             <a:r>
               <a:rPr lang="it-IT" dirty="0" err="1"/>
-              <a:t>UploadImgs</a:t>
+              <a:t>UploadImage</a:t>
             </a:r>
             <a:endParaRPr lang="it-IT" dirty="0"/>
           </a:p>
@@ -4369,17 +4295,19 @@
       </p:sp>
       <p:pic>
         <p:nvPicPr>
-          <p:cNvPr id="4" name="Immagine 3" descr="Immagine che contiene testo, ricevuta, schermata, diagramma&#10;&#10;Descrizione generata automaticamente">
-            <a:extLst>
-              <a:ext uri="{FF2B5EF4-FFF2-40B4-BE49-F238E27FC236}">
-                <a16:creationId xmlns:a16="http://schemas.microsoft.com/office/drawing/2014/main" id="{A3BB3C64-AEBD-7CF7-7C0D-59B7337BBA6E}"/>
+          <p:cNvPr id="6" name="Segnaposto contenuto 5" descr="Immagine che contiene testo, ricevuta, schermata, linea&#10;&#10;Descrizione generata automaticamente">
+            <a:extLst>
+              <a:ext uri="{FF2B5EF4-FFF2-40B4-BE49-F238E27FC236}">
+                <a16:creationId xmlns:a16="http://schemas.microsoft.com/office/drawing/2014/main" id="{C2F5B9E8-1645-3FD6-4795-FA9A73B8C12B}"/>
               </a:ext>
             </a:extLst>
           </p:cNvPr>
           <p:cNvPicPr>
-            <a:picLocks noChangeAspect="1"/>
+            <a:picLocks noGrp="1" noChangeAspect="1"/>
           </p:cNvPicPr>
-          <p:nvPr/>
+          <p:nvPr>
+            <p:ph idx="1"/>
+          </p:nvPr>
         </p:nvPicPr>
         <p:blipFill>
           <a:blip r:embed="rId2">
@@ -4395,12 +4323,9 @@
         </p:blipFill>
         <p:spPr>
           <a:xfrm>
-            <a:off x="114297" y="1526307"/>
-            <a:ext cx="11963405" cy="4816436"/>
+            <a:off x="583307" y="1690688"/>
+            <a:ext cx="11025385" cy="4438791"/>
           </a:xfrm>
-          <a:prstGeom prst="rect">
-            <a:avLst/>
-          </a:prstGeom>
         </p:spPr>
       </p:pic>
     </p:spTree>
@@ -4463,17 +4388,19 @@
       </p:sp>
       <p:pic>
         <p:nvPicPr>
-          <p:cNvPr id="4" name="Immagine 3" descr="Immagine che contiene testo, linea, schermata, diagramma&#10;&#10;Descrizione generata automaticamente">
-            <a:extLst>
-              <a:ext uri="{FF2B5EF4-FFF2-40B4-BE49-F238E27FC236}">
-                <a16:creationId xmlns:a16="http://schemas.microsoft.com/office/drawing/2014/main" id="{2A54824E-EEC7-4063-3551-579144BA98D8}"/>
+          <p:cNvPr id="6" name="Segnaposto contenuto 5" descr="Immagine che contiene testo, diagramma, linea, schermata&#10;&#10;Descrizione generata automaticamente">
+            <a:extLst>
+              <a:ext uri="{FF2B5EF4-FFF2-40B4-BE49-F238E27FC236}">
+                <a16:creationId xmlns:a16="http://schemas.microsoft.com/office/drawing/2014/main" id="{965178A7-BD2E-266E-D4A9-75871AD8EB52}"/>
               </a:ext>
             </a:extLst>
           </p:cNvPr>
           <p:cNvPicPr>
-            <a:picLocks noChangeAspect="1"/>
+            <a:picLocks noGrp="1" noChangeAspect="1"/>
           </p:cNvPicPr>
-          <p:nvPr/>
+          <p:nvPr>
+            <p:ph idx="1"/>
+          </p:nvPr>
         </p:nvPicPr>
         <p:blipFill rotWithShape="1">
           <a:blip r:embed="rId2">
@@ -4483,17 +4410,14 @@
               </a:ext>
             </a:extLst>
           </a:blip>
-          <a:srcRect r="-94" b="40476"/>
+          <a:srcRect b="53268"/>
           <a:stretch/>
         </p:blipFill>
         <p:spPr>
           <a:xfrm>
-            <a:off x="580571" y="1690688"/>
-            <a:ext cx="8528367" cy="2895826"/>
+            <a:off x="1069787" y="2086809"/>
+            <a:ext cx="10052425" cy="2684381"/>
           </a:xfrm>
-          <a:prstGeom prst="rect">
-            <a:avLst/>
-          </a:prstGeom>
         </p:spPr>
       </p:pic>
     </p:spTree>
